--- a/Develop Windows UWP Apps on Windows 10 - 2.pptx
+++ b/Develop Windows UWP Apps on Windows 10 - 2.pptx
@@ -16,11 +16,13 @@
     <p:sldId id="274" r:id="rId10"/>
     <p:sldId id="275" r:id="rId11"/>
     <p:sldId id="279" r:id="rId12"/>
-    <p:sldId id="280" r:id="rId13"/>
-    <p:sldId id="281" r:id="rId14"/>
-    <p:sldId id="265" r:id="rId15"/>
-    <p:sldId id="269" r:id="rId16"/>
-    <p:sldId id="270" r:id="rId17"/>
+    <p:sldId id="281" r:id="rId13"/>
+    <p:sldId id="284" r:id="rId14"/>
+    <p:sldId id="280" r:id="rId15"/>
+    <p:sldId id="285" r:id="rId16"/>
+    <p:sldId id="265" r:id="rId17"/>
+    <p:sldId id="269" r:id="rId18"/>
+    <p:sldId id="270" r:id="rId19"/>
   </p:sldIdLst>
   <p:sldSz cx="12192000" cy="6858000"/>
   <p:notesSz cx="6858000" cy="9144000"/>
@@ -2687,6 +2689,13 @@
     <dgm:pt modelId="{F6292245-53A4-4A34-947E-3075A54A2F14}" type="pres">
       <dgm:prSet presAssocID="{9E84F9D5-12C7-4F0B-971B-85F28DF51BC0}" presName="Name37" presStyleLbl="parChTrans1D3" presStyleIdx="7" presStyleCnt="12"/>
       <dgm:spPr/>
+      <dgm:t>
+        <a:bodyPr/>
+        <a:lstStyle/>
+        <a:p>
+          <a:endParaRPr lang="en-US"/>
+        </a:p>
+      </dgm:t>
     </dgm:pt>
     <dgm:pt modelId="{A15C39AC-A035-4EE6-A66F-BD5D727FF98C}" type="pres">
       <dgm:prSet presAssocID="{BD1D8361-3E75-40BD-A89E-5750BE1A29F8}" presName="hierRoot2" presStyleCnt="0">
@@ -8766,7 +8775,7 @@
           <a:p>
             <a:fld id="{615B8220-D6CE-4EBA-9DF4-44184996CC87}" type="datetimeFigureOut">
               <a:rPr lang="en-IN" smtClean="0"/>
-              <a:t>13-10-2015</a:t>
+              <a:t>30-10-2015</a:t>
             </a:fld>
             <a:endParaRPr lang="en-IN"/>
           </a:p>
@@ -9019,7 +9028,7 @@
           <a:p>
             <a:fld id="{615B8220-D6CE-4EBA-9DF4-44184996CC87}" type="datetimeFigureOut">
               <a:rPr lang="en-IN" smtClean="0"/>
-              <a:t>13-10-2015</a:t>
+              <a:t>30-10-2015</a:t>
             </a:fld>
             <a:endParaRPr lang="en-IN"/>
           </a:p>
@@ -9189,7 +9198,7 @@
           <a:p>
             <a:fld id="{615B8220-D6CE-4EBA-9DF4-44184996CC87}" type="datetimeFigureOut">
               <a:rPr lang="en-IN" smtClean="0"/>
-              <a:t>13-10-2015</a:t>
+              <a:t>30-10-2015</a:t>
             </a:fld>
             <a:endParaRPr lang="en-IN"/>
           </a:p>
@@ -9369,7 +9378,7 @@
           <a:p>
             <a:fld id="{615B8220-D6CE-4EBA-9DF4-44184996CC87}" type="datetimeFigureOut">
               <a:rPr lang="en-IN" smtClean="0"/>
-              <a:t>13-10-2015</a:t>
+              <a:t>30-10-2015</a:t>
             </a:fld>
             <a:endParaRPr lang="en-IN"/>
           </a:p>
@@ -9591,7 +9600,7 @@
           <a:p>
             <a:fld id="{615B8220-D6CE-4EBA-9DF4-44184996CC87}" type="datetimeFigureOut">
               <a:rPr lang="en-IN" smtClean="0"/>
-              <a:t>13-10-2015</a:t>
+              <a:t>30-10-2015</a:t>
             </a:fld>
             <a:endParaRPr lang="en-IN"/>
           </a:p>
@@ -9791,7 +9800,7 @@
           <a:p>
             <a:fld id="{615B8220-D6CE-4EBA-9DF4-44184996CC87}" type="datetimeFigureOut">
               <a:rPr lang="en-IN" smtClean="0"/>
-              <a:t>13-10-2015</a:t>
+              <a:t>30-10-2015</a:t>
             </a:fld>
             <a:endParaRPr lang="en-IN"/>
           </a:p>
@@ -10051,7 +10060,7 @@
           <a:p>
             <a:fld id="{615B8220-D6CE-4EBA-9DF4-44184996CC87}" type="datetimeFigureOut">
               <a:rPr lang="en-IN" smtClean="0"/>
-              <a:t>13-10-2015</a:t>
+              <a:t>30-10-2015</a:t>
             </a:fld>
             <a:endParaRPr lang="en-IN"/>
           </a:p>
@@ -10327,7 +10336,7 @@
           <a:p>
             <a:fld id="{615B8220-D6CE-4EBA-9DF4-44184996CC87}" type="datetimeFigureOut">
               <a:rPr lang="en-IN" smtClean="0"/>
-              <a:t>13-10-2015</a:t>
+              <a:t>30-10-2015</a:t>
             </a:fld>
             <a:endParaRPr lang="en-IN"/>
           </a:p>
@@ -10559,7 +10568,7 @@
           <a:p>
             <a:fld id="{615B8220-D6CE-4EBA-9DF4-44184996CC87}" type="datetimeFigureOut">
               <a:rPr lang="en-IN" smtClean="0"/>
-              <a:t>13-10-2015</a:t>
+              <a:t>30-10-2015</a:t>
             </a:fld>
             <a:endParaRPr lang="en-IN"/>
           </a:p>
@@ -10926,7 +10935,7 @@
           <a:p>
             <a:fld id="{615B8220-D6CE-4EBA-9DF4-44184996CC87}" type="datetimeFigureOut">
               <a:rPr lang="en-IN" smtClean="0"/>
-              <a:t>13-10-2015</a:t>
+              <a:t>30-10-2015</a:t>
             </a:fld>
             <a:endParaRPr lang="en-IN"/>
           </a:p>
@@ -11044,7 +11053,7 @@
           <a:p>
             <a:fld id="{615B8220-D6CE-4EBA-9DF4-44184996CC87}" type="datetimeFigureOut">
               <a:rPr lang="en-IN" smtClean="0"/>
-              <a:t>13-10-2015</a:t>
+              <a:t>30-10-2015</a:t>
             </a:fld>
             <a:endParaRPr lang="en-IN"/>
           </a:p>
@@ -11139,7 +11148,7 @@
           <a:p>
             <a:fld id="{615B8220-D6CE-4EBA-9DF4-44184996CC87}" type="datetimeFigureOut">
               <a:rPr lang="en-IN" smtClean="0"/>
-              <a:t>13-10-2015</a:t>
+              <a:t>30-10-2015</a:t>
             </a:fld>
             <a:endParaRPr lang="en-IN"/>
           </a:p>
@@ -11776,7 +11785,7 @@
           <a:p>
             <a:fld id="{615B8220-D6CE-4EBA-9DF4-44184996CC87}" type="datetimeFigureOut">
               <a:rPr lang="en-IN" smtClean="0"/>
-              <a:t>13-10-2015</a:t>
+              <a:t>30-10-2015</a:t>
             </a:fld>
             <a:endParaRPr lang="en-IN"/>
           </a:p>
@@ -12589,12 +12598,6 @@
                 </a:rPr>
                 <a:t>Windows AppConsult Engineer</a:t>
               </a:r>
-              <a:endParaRPr lang="en-US" sz="2000" dirty="0" smtClean="0">
-                <a:solidFill>
-                  <a:schemeClr val="bg1"/>
-                </a:solidFill>
-                <a:latin typeface="Segoe UI Light"/>
-              </a:endParaRPr>
             </a:p>
           </p:txBody>
         </p:sp>
@@ -13016,7 +13019,35 @@
                 </a:solidFill>
                 <a:latin typeface="Segoe UI Light" panose="020B0502040204020203" pitchFamily="34" charset="0"/>
               </a:rPr>
-              <a:t>Background Tasks &amp; Background transfers</a:t>
+              <a:t>Context Menu</a:t>
+            </a:r>
+          </a:p>
+          <a:p>
+            <a:pPr marL="342900" indent="-342900">
+              <a:lnSpc>
+                <a:spcPct val="200000"/>
+              </a:lnSpc>
+              <a:buFont typeface="Arial" panose="020B0604020202020204" pitchFamily="34" charset="0"/>
+              <a:buChar char="•"/>
+              <a:defRPr/>
+            </a:pPr>
+            <a:r>
+              <a:rPr lang="en-US" sz="2400" b="1" dirty="0" smtClean="0">
+                <a:solidFill>
+                  <a:schemeClr val="tx1"/>
+                </a:solidFill>
+                <a:latin typeface="Segoe UI Light" panose="020B0502040204020203" pitchFamily="34" charset="0"/>
+              </a:rPr>
+              <a:t>Background </a:t>
+            </a:r>
+            <a:r>
+              <a:rPr lang="en-US" sz="2400" b="1" dirty="0">
+                <a:solidFill>
+                  <a:schemeClr val="tx1"/>
+                </a:solidFill>
+                <a:latin typeface="Segoe UI Light" panose="020B0502040204020203" pitchFamily="34" charset="0"/>
+              </a:rPr>
+              <a:t>Tasks &amp; Background transfers</a:t>
             </a:r>
           </a:p>
           <a:p>
@@ -13036,25 +13067,6 @@
                 <a:latin typeface="Segoe UI Light" panose="020B0502040204020203" pitchFamily="34" charset="0"/>
               </a:rPr>
               <a:t>Share Contracts</a:t>
-            </a:r>
-          </a:p>
-          <a:p>
-            <a:pPr marL="342900" indent="-342900">
-              <a:lnSpc>
-                <a:spcPct val="200000"/>
-              </a:lnSpc>
-              <a:buFont typeface="Arial" panose="020B0604020202020204" pitchFamily="34" charset="0"/>
-              <a:buChar char="•"/>
-              <a:defRPr/>
-            </a:pPr>
-            <a:r>
-              <a:rPr lang="en-US" sz="2400" b="1" dirty="0">
-                <a:solidFill>
-                  <a:schemeClr val="tx1"/>
-                </a:solidFill>
-                <a:latin typeface="Segoe UI Light" panose="020B0502040204020203" pitchFamily="34" charset="0"/>
-              </a:rPr>
-              <a:t>Context Menu</a:t>
             </a:r>
           </a:p>
           <a:p>
@@ -13105,6 +13117,1223 @@
 </file>
 
 <file path=ppt/slides/slide11.xml><?xml version="1.0" encoding="utf-8"?>
+<p:sld xmlns:a="http://schemas.openxmlformats.org/drawingml/2006/main" xmlns:r="http://schemas.openxmlformats.org/officeDocument/2006/relationships" xmlns:p="http://schemas.openxmlformats.org/presentationml/2006/main">
+  <p:cSld>
+    <p:spTree>
+      <p:nvGrpSpPr>
+        <p:cNvPr id="1" name=""/>
+        <p:cNvGrpSpPr/>
+        <p:nvPr/>
+      </p:nvGrpSpPr>
+      <p:grpSpPr>
+        <a:xfrm>
+          <a:off x="0" y="0"/>
+          <a:ext cx="0" cy="0"/>
+          <a:chOff x="0" y="0"/>
+          <a:chExt cx="0" cy="0"/>
+        </a:xfrm>
+      </p:grpSpPr>
+      <p:pic>
+        <p:nvPicPr>
+          <p:cNvPr id="2" name="Picture 1"/>
+          <p:cNvPicPr>
+            <a:picLocks noChangeAspect="1"/>
+          </p:cNvPicPr>
+          <p:nvPr/>
+        </p:nvPicPr>
+        <p:blipFill rotWithShape="1">
+          <a:blip r:embed="rId2"/>
+          <a:srcRect t="6890"/>
+          <a:stretch/>
+        </p:blipFill>
+        <p:spPr>
+          <a:xfrm>
+            <a:off x="1174792" y="466598"/>
+            <a:ext cx="9842416" cy="5924804"/>
+          </a:xfrm>
+          <a:prstGeom prst="rect">
+            <a:avLst/>
+          </a:prstGeom>
+        </p:spPr>
+      </p:pic>
+    </p:spTree>
+    <p:extLst>
+      <p:ext uri="{BB962C8B-B14F-4D97-AF65-F5344CB8AC3E}">
+        <p14:creationId xmlns:p14="http://schemas.microsoft.com/office/powerpoint/2010/main" val="313464049"/>
+      </p:ext>
+    </p:extLst>
+  </p:cSld>
+  <p:clrMapOvr>
+    <a:masterClrMapping/>
+  </p:clrMapOvr>
+  <p:timing>
+    <p:tnLst>
+      <p:par>
+        <p:cTn id="1" dur="indefinite" restart="never" nodeType="tmRoot"/>
+      </p:par>
+    </p:tnLst>
+  </p:timing>
+</p:sld>
+</file>
+
+<file path=ppt/slides/slide12.xml><?xml version="1.0" encoding="utf-8"?>
+<p:sld xmlns:a="http://schemas.openxmlformats.org/drawingml/2006/main" xmlns:r="http://schemas.openxmlformats.org/officeDocument/2006/relationships" xmlns:p="http://schemas.openxmlformats.org/presentationml/2006/main">
+  <p:cSld>
+    <p:spTree>
+      <p:nvGrpSpPr>
+        <p:cNvPr id="1" name=""/>
+        <p:cNvGrpSpPr/>
+        <p:nvPr/>
+      </p:nvGrpSpPr>
+      <p:grpSpPr>
+        <a:xfrm>
+          <a:off x="0" y="0"/>
+          <a:ext cx="0" cy="0"/>
+          <a:chOff x="0" y="0"/>
+          <a:chExt cx="0" cy="0"/>
+        </a:xfrm>
+      </p:grpSpPr>
+      <p:pic>
+        <p:nvPicPr>
+          <p:cNvPr id="1032" name="Picture 8" descr="http://blogs.msdn.com/cfs-filesystemfile.ashx/__key/communityserver-blogs-components-weblogfiles/00-00-01-71-81-adaptive_2D00_tile_2D00_templates/1663.medium.png"/>
+          <p:cNvPicPr>
+            <a:picLocks noChangeAspect="1" noChangeArrowheads="1"/>
+          </p:cNvPicPr>
+          <p:nvPr/>
+        </p:nvPicPr>
+        <p:blipFill>
+          <a:blip r:embed="rId3">
+            <a:extLst>
+              <a:ext uri="{28A0092B-C50C-407E-A947-70E740481C1C}">
+                <a14:useLocalDpi xmlns:a14="http://schemas.microsoft.com/office/drawing/2010/main" val="0"/>
+              </a:ext>
+            </a:extLst>
+          </a:blip>
+          <a:srcRect/>
+          <a:stretch>
+            <a:fillRect/>
+          </a:stretch>
+        </p:blipFill>
+        <p:spPr bwMode="auto">
+          <a:xfrm>
+            <a:off x="647834" y="762067"/>
+            <a:ext cx="952500" cy="952500"/>
+          </a:xfrm>
+          <a:prstGeom prst="rect">
+            <a:avLst/>
+          </a:prstGeom>
+          <a:noFill/>
+          <a:extLst>
+            <a:ext uri="{909E8E84-426E-40DD-AFC4-6F175D3DCCD1}">
+              <a14:hiddenFill xmlns:a14="http://schemas.microsoft.com/office/drawing/2010/main">
+                <a:solidFill>
+                  <a:srgbClr val="FFFFFF"/>
+                </a:solidFill>
+              </a14:hiddenFill>
+            </a:ext>
+          </a:extLst>
+        </p:spPr>
+      </p:pic>
+      <p:pic>
+        <p:nvPicPr>
+          <p:cNvPr id="1033" name="Picture 9" descr="http://blogs.msdn.com/cfs-filesystemfile.ashx/__key/communityserver-blogs-components-weblogfiles/00-00-01-71-81-adaptive_2D00_tile_2D00_templates/3513.wide.png"/>
+          <p:cNvPicPr>
+            <a:picLocks noChangeAspect="1" noChangeArrowheads="1"/>
+          </p:cNvPicPr>
+          <p:nvPr/>
+        </p:nvPicPr>
+        <p:blipFill>
+          <a:blip r:embed="rId4">
+            <a:extLst>
+              <a:ext uri="{28A0092B-C50C-407E-A947-70E740481C1C}">
+                <a14:useLocalDpi xmlns:a14="http://schemas.microsoft.com/office/drawing/2010/main" val="0"/>
+              </a:ext>
+            </a:extLst>
+          </a:blip>
+          <a:srcRect/>
+          <a:stretch>
+            <a:fillRect/>
+          </a:stretch>
+        </p:blipFill>
+        <p:spPr bwMode="auto">
+          <a:xfrm>
+            <a:off x="647834" y="1866967"/>
+            <a:ext cx="1943100" cy="952500"/>
+          </a:xfrm>
+          <a:prstGeom prst="rect">
+            <a:avLst/>
+          </a:prstGeom>
+          <a:noFill/>
+          <a:extLst>
+            <a:ext uri="{909E8E84-426E-40DD-AFC4-6F175D3DCCD1}">
+              <a14:hiddenFill xmlns:a14="http://schemas.microsoft.com/office/drawing/2010/main">
+                <a:solidFill>
+                  <a:srgbClr val="FFFFFF"/>
+                </a:solidFill>
+              </a14:hiddenFill>
+            </a:ext>
+          </a:extLst>
+        </p:spPr>
+      </p:pic>
+      <p:pic>
+        <p:nvPicPr>
+          <p:cNvPr id="1034" name="Picture 10" descr="http://blogs.msdn.com/cfs-filesystemfile.ashx/__key/communityserver-blogs-components-weblogfiles/00-00-01-71-81-adaptive_2D00_tile_2D00_templates/1830.large.png"/>
+          <p:cNvPicPr>
+            <a:picLocks noChangeAspect="1" noChangeArrowheads="1"/>
+          </p:cNvPicPr>
+          <p:nvPr/>
+        </p:nvPicPr>
+        <p:blipFill>
+          <a:blip r:embed="rId5">
+            <a:extLst>
+              <a:ext uri="{28A0092B-C50C-407E-A947-70E740481C1C}">
+                <a14:useLocalDpi xmlns:a14="http://schemas.microsoft.com/office/drawing/2010/main" val="0"/>
+              </a:ext>
+            </a:extLst>
+          </a:blip>
+          <a:srcRect/>
+          <a:stretch>
+            <a:fillRect/>
+          </a:stretch>
+        </p:blipFill>
+        <p:spPr bwMode="auto">
+          <a:xfrm>
+            <a:off x="647834" y="2981392"/>
+            <a:ext cx="1943100" cy="1943100"/>
+          </a:xfrm>
+          <a:prstGeom prst="rect">
+            <a:avLst/>
+          </a:prstGeom>
+          <a:noFill/>
+          <a:extLst>
+            <a:ext uri="{909E8E84-426E-40DD-AFC4-6F175D3DCCD1}">
+              <a14:hiddenFill xmlns:a14="http://schemas.microsoft.com/office/drawing/2010/main">
+                <a:solidFill>
+                  <a:srgbClr val="FFFFFF"/>
+                </a:solidFill>
+              </a14:hiddenFill>
+            </a:ext>
+          </a:extLst>
+        </p:spPr>
+      </p:pic>
+      <p:pic>
+        <p:nvPicPr>
+          <p:cNvPr id="1031" name="Picture 7" descr="http://blogs.msdn.com/cfs-filesystemfile.ashx/__key/communityserver-blogs-components-weblogfiles/00-00-01-71-81-adaptive_2D00_tile_2D00_templates/3531.small.png"/>
+          <p:cNvPicPr>
+            <a:picLocks noChangeAspect="1" noChangeArrowheads="1"/>
+          </p:cNvPicPr>
+          <p:nvPr/>
+        </p:nvPicPr>
+        <p:blipFill>
+          <a:blip r:embed="rId6">
+            <a:extLst>
+              <a:ext uri="{28A0092B-C50C-407E-A947-70E740481C1C}">
+                <a14:useLocalDpi xmlns:a14="http://schemas.microsoft.com/office/drawing/2010/main" val="0"/>
+              </a:ext>
+            </a:extLst>
+          </a:blip>
+          <a:srcRect/>
+          <a:stretch>
+            <a:fillRect/>
+          </a:stretch>
+        </p:blipFill>
+        <p:spPr bwMode="auto">
+          <a:xfrm>
+            <a:off x="647834" y="152467"/>
+            <a:ext cx="457200" cy="457200"/>
+          </a:xfrm>
+          <a:prstGeom prst="rect">
+            <a:avLst/>
+          </a:prstGeom>
+          <a:noFill/>
+          <a:extLst>
+            <a:ext uri="{909E8E84-426E-40DD-AFC4-6F175D3DCCD1}">
+              <a14:hiddenFill xmlns:a14="http://schemas.microsoft.com/office/drawing/2010/main">
+                <a:solidFill>
+                  <a:srgbClr val="FFFFFF"/>
+                </a:solidFill>
+              </a14:hiddenFill>
+            </a:ext>
+          </a:extLst>
+        </p:spPr>
+      </p:pic>
+      <p:pic>
+        <p:nvPicPr>
+          <p:cNvPr id="1035" name="Picture 11" descr="http://blogs.msdn.com/cfs-filesystemfile.ashx/__key/communityserver-blogs-components-weblogfiles/00-00-01-71-81-adaptive_2D00_tile_2D00_templates/0336.branding_2D00_none.png"/>
+          <p:cNvPicPr>
+            <a:picLocks noChangeAspect="1" noChangeArrowheads="1"/>
+          </p:cNvPicPr>
+          <p:nvPr/>
+        </p:nvPicPr>
+        <p:blipFill>
+          <a:blip r:embed="rId7">
+            <a:extLst>
+              <a:ext uri="{28A0092B-C50C-407E-A947-70E740481C1C}">
+                <a14:useLocalDpi xmlns:a14="http://schemas.microsoft.com/office/drawing/2010/main" val="0"/>
+              </a:ext>
+            </a:extLst>
+          </a:blip>
+          <a:srcRect/>
+          <a:stretch>
+            <a:fillRect/>
+          </a:stretch>
+        </p:blipFill>
+        <p:spPr bwMode="auto">
+          <a:xfrm>
+            <a:off x="2971801" y="152467"/>
+            <a:ext cx="952500" cy="952500"/>
+          </a:xfrm>
+          <a:prstGeom prst="rect">
+            <a:avLst/>
+          </a:prstGeom>
+          <a:noFill/>
+          <a:extLst>
+            <a:ext uri="{909E8E84-426E-40DD-AFC4-6F175D3DCCD1}">
+              <a14:hiddenFill xmlns:a14="http://schemas.microsoft.com/office/drawing/2010/main">
+                <a:solidFill>
+                  <a:srgbClr val="FFFFFF"/>
+                </a:solidFill>
+              </a14:hiddenFill>
+            </a:ext>
+          </a:extLst>
+        </p:spPr>
+      </p:pic>
+      <p:pic>
+        <p:nvPicPr>
+          <p:cNvPr id="1036" name="Picture 12" descr="http://blogs.msdn.com/cfs-filesystemfile.ashx/__key/communityserver-blogs-components-weblogfiles/00-00-01-71-81-adaptive_2D00_tile_2D00_templates/8055.branding_2D00_name.png"/>
+          <p:cNvPicPr>
+            <a:picLocks noChangeAspect="1" noChangeArrowheads="1"/>
+          </p:cNvPicPr>
+          <p:nvPr/>
+        </p:nvPicPr>
+        <p:blipFill>
+          <a:blip r:embed="rId8">
+            <a:extLst>
+              <a:ext uri="{28A0092B-C50C-407E-A947-70E740481C1C}">
+                <a14:useLocalDpi xmlns:a14="http://schemas.microsoft.com/office/drawing/2010/main" val="0"/>
+              </a:ext>
+            </a:extLst>
+          </a:blip>
+          <a:srcRect/>
+          <a:stretch>
+            <a:fillRect/>
+          </a:stretch>
+        </p:blipFill>
+        <p:spPr bwMode="auto">
+          <a:xfrm>
+            <a:off x="2971801" y="2362267"/>
+            <a:ext cx="952500" cy="952500"/>
+          </a:xfrm>
+          <a:prstGeom prst="rect">
+            <a:avLst/>
+          </a:prstGeom>
+          <a:noFill/>
+          <a:extLst>
+            <a:ext uri="{909E8E84-426E-40DD-AFC4-6F175D3DCCD1}">
+              <a14:hiddenFill xmlns:a14="http://schemas.microsoft.com/office/drawing/2010/main">
+                <a:solidFill>
+                  <a:srgbClr val="FFFFFF"/>
+                </a:solidFill>
+              </a14:hiddenFill>
+            </a:ext>
+          </a:extLst>
+        </p:spPr>
+      </p:pic>
+      <p:pic>
+        <p:nvPicPr>
+          <p:cNvPr id="1037" name="Picture 13" descr="http://blogs.msdn.com/cfs-filesystemfile.ashx/__key/communityserver-blogs-components-weblogfiles/00-00-01-71-81-adaptive_2D00_tile_2D00_templates/5557.branding_2D00_logo.png"/>
+          <p:cNvPicPr>
+            <a:picLocks noChangeAspect="1" noChangeArrowheads="1"/>
+          </p:cNvPicPr>
+          <p:nvPr/>
+        </p:nvPicPr>
+        <p:blipFill>
+          <a:blip r:embed="rId9">
+            <a:extLst>
+              <a:ext uri="{28A0092B-C50C-407E-A947-70E740481C1C}">
+                <a14:useLocalDpi xmlns:a14="http://schemas.microsoft.com/office/drawing/2010/main" val="0"/>
+              </a:ext>
+            </a:extLst>
+          </a:blip>
+          <a:srcRect/>
+          <a:stretch>
+            <a:fillRect/>
+          </a:stretch>
+        </p:blipFill>
+        <p:spPr bwMode="auto">
+          <a:xfrm>
+            <a:off x="2971801" y="1257367"/>
+            <a:ext cx="952500" cy="952500"/>
+          </a:xfrm>
+          <a:prstGeom prst="rect">
+            <a:avLst/>
+          </a:prstGeom>
+          <a:noFill/>
+          <a:extLst>
+            <a:ext uri="{909E8E84-426E-40DD-AFC4-6F175D3DCCD1}">
+              <a14:hiddenFill xmlns:a14="http://schemas.microsoft.com/office/drawing/2010/main">
+                <a:solidFill>
+                  <a:srgbClr val="FFFFFF"/>
+                </a:solidFill>
+              </a14:hiddenFill>
+            </a:ext>
+          </a:extLst>
+        </p:spPr>
+      </p:pic>
+      <p:pic>
+        <p:nvPicPr>
+          <p:cNvPr id="1038" name="Picture 14" descr="http://blogs.msdn.com/cfs-filesystemfile.ashx/__key/communityserver-blogs-components-weblogfiles/00-00-01-71-81-adaptive_2D00_tile_2D00_templates/5611.branding_2D00_nameandlogo.png"/>
+          <p:cNvPicPr>
+            <a:picLocks noChangeAspect="1" noChangeArrowheads="1"/>
+          </p:cNvPicPr>
+          <p:nvPr/>
+        </p:nvPicPr>
+        <p:blipFill>
+          <a:blip r:embed="rId10">
+            <a:extLst>
+              <a:ext uri="{28A0092B-C50C-407E-A947-70E740481C1C}">
+                <a14:useLocalDpi xmlns:a14="http://schemas.microsoft.com/office/drawing/2010/main" val="0"/>
+              </a:ext>
+            </a:extLst>
+          </a:blip>
+          <a:srcRect/>
+          <a:stretch>
+            <a:fillRect/>
+          </a:stretch>
+        </p:blipFill>
+        <p:spPr bwMode="auto">
+          <a:xfrm>
+            <a:off x="2971801" y="3448117"/>
+            <a:ext cx="952500" cy="952500"/>
+          </a:xfrm>
+          <a:prstGeom prst="rect">
+            <a:avLst/>
+          </a:prstGeom>
+          <a:noFill/>
+          <a:extLst>
+            <a:ext uri="{909E8E84-426E-40DD-AFC4-6F175D3DCCD1}">
+              <a14:hiddenFill xmlns:a14="http://schemas.microsoft.com/office/drawing/2010/main">
+                <a:solidFill>
+                  <a:srgbClr val="FFFFFF"/>
+                </a:solidFill>
+              </a14:hiddenFill>
+            </a:ext>
+          </a:extLst>
+        </p:spPr>
+      </p:pic>
+      <p:pic>
+        <p:nvPicPr>
+          <p:cNvPr id="1039" name="Picture 15" descr="http://blogs.msdn.com/cfs-filesystemfile.ashx/__key/communityserver-blogs-components-weblogfiles/00-00-01-71-81-adaptive_2D00_tile_2D00_templates/8270.text_2D00_left.png"/>
+          <p:cNvPicPr>
+            <a:picLocks noChangeAspect="1" noChangeArrowheads="1"/>
+          </p:cNvPicPr>
+          <p:nvPr/>
+        </p:nvPicPr>
+        <p:blipFill>
+          <a:blip r:embed="rId11">
+            <a:extLst>
+              <a:ext uri="{28A0092B-C50C-407E-A947-70E740481C1C}">
+                <a14:useLocalDpi xmlns:a14="http://schemas.microsoft.com/office/drawing/2010/main" val="0"/>
+              </a:ext>
+            </a:extLst>
+          </a:blip>
+          <a:srcRect/>
+          <a:stretch>
+            <a:fillRect/>
+          </a:stretch>
+        </p:blipFill>
+        <p:spPr bwMode="auto">
+          <a:xfrm>
+            <a:off x="4267201" y="152467"/>
+            <a:ext cx="952500" cy="952500"/>
+          </a:xfrm>
+          <a:prstGeom prst="rect">
+            <a:avLst/>
+          </a:prstGeom>
+          <a:noFill/>
+          <a:extLst>
+            <a:ext uri="{909E8E84-426E-40DD-AFC4-6F175D3DCCD1}">
+              <a14:hiddenFill xmlns:a14="http://schemas.microsoft.com/office/drawing/2010/main">
+                <a:solidFill>
+                  <a:srgbClr val="FFFFFF"/>
+                </a:solidFill>
+              </a14:hiddenFill>
+            </a:ext>
+          </a:extLst>
+        </p:spPr>
+      </p:pic>
+      <p:pic>
+        <p:nvPicPr>
+          <p:cNvPr id="1040" name="Picture 16" descr="http://blogs.msdn.com/cfs-filesystemfile.ashx/__key/communityserver-blogs-components-weblogfiles/00-00-01-71-81-adaptive_2D00_tile_2D00_templates/7317.text_2D00_center.png"/>
+          <p:cNvPicPr>
+            <a:picLocks noChangeAspect="1" noChangeArrowheads="1"/>
+          </p:cNvPicPr>
+          <p:nvPr/>
+        </p:nvPicPr>
+        <p:blipFill>
+          <a:blip r:embed="rId12">
+            <a:extLst>
+              <a:ext uri="{28A0092B-C50C-407E-A947-70E740481C1C}">
+                <a14:useLocalDpi xmlns:a14="http://schemas.microsoft.com/office/drawing/2010/main" val="0"/>
+              </a:ext>
+            </a:extLst>
+          </a:blip>
+          <a:srcRect/>
+          <a:stretch>
+            <a:fillRect/>
+          </a:stretch>
+        </p:blipFill>
+        <p:spPr bwMode="auto">
+          <a:xfrm>
+            <a:off x="4267201" y="1257367"/>
+            <a:ext cx="952500" cy="952500"/>
+          </a:xfrm>
+          <a:prstGeom prst="rect">
+            <a:avLst/>
+          </a:prstGeom>
+          <a:noFill/>
+          <a:extLst>
+            <a:ext uri="{909E8E84-426E-40DD-AFC4-6F175D3DCCD1}">
+              <a14:hiddenFill xmlns:a14="http://schemas.microsoft.com/office/drawing/2010/main">
+                <a:solidFill>
+                  <a:srgbClr val="FFFFFF"/>
+                </a:solidFill>
+              </a14:hiddenFill>
+            </a:ext>
+          </a:extLst>
+        </p:spPr>
+      </p:pic>
+      <p:pic>
+        <p:nvPicPr>
+          <p:cNvPr id="1041" name="Picture 17" descr="http://blogs.msdn.com/cfs-filesystemfile.ashx/__key/communityserver-blogs-components-weblogfiles/00-00-01-71-81-adaptive_2D00_tile_2D00_templates/6562.text_2D00_right.png"/>
+          <p:cNvPicPr>
+            <a:picLocks noChangeAspect="1" noChangeArrowheads="1"/>
+          </p:cNvPicPr>
+          <p:nvPr/>
+        </p:nvPicPr>
+        <p:blipFill>
+          <a:blip r:embed="rId13">
+            <a:extLst>
+              <a:ext uri="{28A0092B-C50C-407E-A947-70E740481C1C}">
+                <a14:useLocalDpi xmlns:a14="http://schemas.microsoft.com/office/drawing/2010/main" val="0"/>
+              </a:ext>
+            </a:extLst>
+          </a:blip>
+          <a:srcRect/>
+          <a:stretch>
+            <a:fillRect/>
+          </a:stretch>
+        </p:blipFill>
+        <p:spPr bwMode="auto">
+          <a:xfrm>
+            <a:off x="4267201" y="2362267"/>
+            <a:ext cx="952500" cy="952500"/>
+          </a:xfrm>
+          <a:prstGeom prst="rect">
+            <a:avLst/>
+          </a:prstGeom>
+          <a:noFill/>
+          <a:extLst>
+            <a:ext uri="{909E8E84-426E-40DD-AFC4-6F175D3DCCD1}">
+              <a14:hiddenFill xmlns:a14="http://schemas.microsoft.com/office/drawing/2010/main">
+                <a:solidFill>
+                  <a:srgbClr val="FFFFFF"/>
+                </a:solidFill>
+              </a14:hiddenFill>
+            </a:ext>
+          </a:extLst>
+        </p:spPr>
+      </p:pic>
+      <p:pic>
+        <p:nvPicPr>
+          <p:cNvPr id="1042" name="Picture 18" descr="http://blogs.msdn.com/cfs-filesystemfile.ashx/__key/communityserver-blogs-components-weblogfiles/00-00-01-71-81-adaptive_2D00_tile_2D00_templates/8562.text_2D00_left_2D00_wrapping.png"/>
+          <p:cNvPicPr>
+            <a:picLocks noChangeAspect="1" noChangeArrowheads="1"/>
+          </p:cNvPicPr>
+          <p:nvPr/>
+        </p:nvPicPr>
+        <p:blipFill>
+          <a:blip r:embed="rId14">
+            <a:extLst>
+              <a:ext uri="{28A0092B-C50C-407E-A947-70E740481C1C}">
+                <a14:useLocalDpi xmlns:a14="http://schemas.microsoft.com/office/drawing/2010/main" val="0"/>
+              </a:ext>
+            </a:extLst>
+          </a:blip>
+          <a:srcRect/>
+          <a:stretch>
+            <a:fillRect/>
+          </a:stretch>
+        </p:blipFill>
+        <p:spPr bwMode="auto">
+          <a:xfrm>
+            <a:off x="4267201" y="3448117"/>
+            <a:ext cx="952500" cy="952500"/>
+          </a:xfrm>
+          <a:prstGeom prst="rect">
+            <a:avLst/>
+          </a:prstGeom>
+          <a:noFill/>
+          <a:extLst>
+            <a:ext uri="{909E8E84-426E-40DD-AFC4-6F175D3DCCD1}">
+              <a14:hiddenFill xmlns:a14="http://schemas.microsoft.com/office/drawing/2010/main">
+                <a:solidFill>
+                  <a:srgbClr val="FFFFFF"/>
+                </a:solidFill>
+              </a14:hiddenFill>
+            </a:ext>
+          </a:extLst>
+        </p:spPr>
+      </p:pic>
+      <p:pic>
+        <p:nvPicPr>
+          <p:cNvPr id="1043" name="Picture 19" descr="http://blogs.msdn.com/cfs-filesystemfile.ashx/__key/communityserver-blogs-components-weblogfiles/00-00-01-71-81-adaptive_2D00_tile_2D00_templates/4075.text_2D00_center_2D00_wrapping.png"/>
+          <p:cNvPicPr>
+            <a:picLocks noChangeAspect="1" noChangeArrowheads="1"/>
+          </p:cNvPicPr>
+          <p:nvPr/>
+        </p:nvPicPr>
+        <p:blipFill>
+          <a:blip r:embed="rId15">
+            <a:extLst>
+              <a:ext uri="{28A0092B-C50C-407E-A947-70E740481C1C}">
+                <a14:useLocalDpi xmlns:a14="http://schemas.microsoft.com/office/drawing/2010/main" val="0"/>
+              </a:ext>
+            </a:extLst>
+          </a:blip>
+          <a:srcRect/>
+          <a:stretch>
+            <a:fillRect/>
+          </a:stretch>
+        </p:blipFill>
+        <p:spPr bwMode="auto">
+          <a:xfrm>
+            <a:off x="4276726" y="4572067"/>
+            <a:ext cx="952500" cy="952500"/>
+          </a:xfrm>
+          <a:prstGeom prst="rect">
+            <a:avLst/>
+          </a:prstGeom>
+          <a:noFill/>
+          <a:extLst>
+            <a:ext uri="{909E8E84-426E-40DD-AFC4-6F175D3DCCD1}">
+              <a14:hiddenFill xmlns:a14="http://schemas.microsoft.com/office/drawing/2010/main">
+                <a:solidFill>
+                  <a:srgbClr val="FFFFFF"/>
+                </a:solidFill>
+              </a14:hiddenFill>
+            </a:ext>
+          </a:extLst>
+        </p:spPr>
+      </p:pic>
+      <p:pic>
+        <p:nvPicPr>
+          <p:cNvPr id="1044" name="Picture 20" descr="http://blogs.msdn.com/cfs-filesystemfile.ashx/__key/communityserver-blogs-components-weblogfiles/00-00-01-71-81-adaptive_2D00_tile_2D00_templates/2604.text_2D00_right_2D00_wrapping.png"/>
+          <p:cNvPicPr>
+            <a:picLocks noChangeAspect="1" noChangeArrowheads="1"/>
+          </p:cNvPicPr>
+          <p:nvPr/>
+        </p:nvPicPr>
+        <p:blipFill>
+          <a:blip r:embed="rId16">
+            <a:extLst>
+              <a:ext uri="{28A0092B-C50C-407E-A947-70E740481C1C}">
+                <a14:useLocalDpi xmlns:a14="http://schemas.microsoft.com/office/drawing/2010/main" val="0"/>
+              </a:ext>
+            </a:extLst>
+          </a:blip>
+          <a:srcRect/>
+          <a:stretch>
+            <a:fillRect/>
+          </a:stretch>
+        </p:blipFill>
+        <p:spPr bwMode="auto">
+          <a:xfrm>
+            <a:off x="4267201" y="5657917"/>
+            <a:ext cx="952500" cy="952500"/>
+          </a:xfrm>
+          <a:prstGeom prst="rect">
+            <a:avLst/>
+          </a:prstGeom>
+          <a:noFill/>
+          <a:extLst>
+            <a:ext uri="{909E8E84-426E-40DD-AFC4-6F175D3DCCD1}">
+              <a14:hiddenFill xmlns:a14="http://schemas.microsoft.com/office/drawing/2010/main">
+                <a:solidFill>
+                  <a:srgbClr val="FFFFFF"/>
+                </a:solidFill>
+              </a14:hiddenFill>
+            </a:ext>
+          </a:extLst>
+        </p:spPr>
+      </p:pic>
+      <p:pic>
+        <p:nvPicPr>
+          <p:cNvPr id="3" name="Picture 2"/>
+          <p:cNvPicPr>
+            <a:picLocks noChangeAspect="1"/>
+          </p:cNvPicPr>
+          <p:nvPr/>
+        </p:nvPicPr>
+        <p:blipFill>
+          <a:blip r:embed="rId17">
+            <a:extLst>
+              <a:ext uri="{28A0092B-C50C-407E-A947-70E740481C1C}">
+                <a14:useLocalDpi xmlns:a14="http://schemas.microsoft.com/office/drawing/2010/main" val="0"/>
+              </a:ext>
+            </a:extLst>
+          </a:blip>
+          <a:stretch>
+            <a:fillRect/>
+          </a:stretch>
+        </p:blipFill>
+        <p:spPr>
+          <a:xfrm>
+            <a:off x="5562601" y="152467"/>
+            <a:ext cx="952633" cy="952633"/>
+          </a:xfrm>
+          <a:prstGeom prst="rect">
+            <a:avLst/>
+          </a:prstGeom>
+        </p:spPr>
+      </p:pic>
+      <p:pic>
+        <p:nvPicPr>
+          <p:cNvPr id="4" name="Picture 3"/>
+          <p:cNvPicPr>
+            <a:picLocks noChangeAspect="1"/>
+          </p:cNvPicPr>
+          <p:nvPr/>
+        </p:nvPicPr>
+        <p:blipFill>
+          <a:blip r:embed="rId18">
+            <a:extLst>
+              <a:ext uri="{28A0092B-C50C-407E-A947-70E740481C1C}">
+                <a14:useLocalDpi xmlns:a14="http://schemas.microsoft.com/office/drawing/2010/main" val="0"/>
+              </a:ext>
+            </a:extLst>
+          </a:blip>
+          <a:stretch>
+            <a:fillRect/>
+          </a:stretch>
+        </p:blipFill>
+        <p:spPr>
+          <a:xfrm>
+            <a:off x="5562600" y="1257367"/>
+            <a:ext cx="952633" cy="952633"/>
+          </a:xfrm>
+          <a:prstGeom prst="rect">
+            <a:avLst/>
+          </a:prstGeom>
+        </p:spPr>
+      </p:pic>
+      <p:pic>
+        <p:nvPicPr>
+          <p:cNvPr id="5" name="Picture 4"/>
+          <p:cNvPicPr>
+            <a:picLocks noChangeAspect="1"/>
+          </p:cNvPicPr>
+          <p:nvPr/>
+        </p:nvPicPr>
+        <p:blipFill>
+          <a:blip r:embed="rId19">
+            <a:extLst>
+              <a:ext uri="{28A0092B-C50C-407E-A947-70E740481C1C}">
+                <a14:useLocalDpi xmlns:a14="http://schemas.microsoft.com/office/drawing/2010/main" val="0"/>
+              </a:ext>
+            </a:extLst>
+          </a:blip>
+          <a:stretch>
+            <a:fillRect/>
+          </a:stretch>
+        </p:blipFill>
+        <p:spPr>
+          <a:xfrm>
+            <a:off x="5562600" y="2362200"/>
+            <a:ext cx="952633" cy="952633"/>
+          </a:xfrm>
+          <a:prstGeom prst="rect">
+            <a:avLst/>
+          </a:prstGeom>
+        </p:spPr>
+      </p:pic>
+      <p:pic>
+        <p:nvPicPr>
+          <p:cNvPr id="6" name="Picture 5"/>
+          <p:cNvPicPr>
+            <a:picLocks noChangeAspect="1"/>
+          </p:cNvPicPr>
+          <p:nvPr/>
+        </p:nvPicPr>
+        <p:blipFill>
+          <a:blip r:embed="rId20">
+            <a:extLst>
+              <a:ext uri="{28A0092B-C50C-407E-A947-70E740481C1C}">
+                <a14:useLocalDpi xmlns:a14="http://schemas.microsoft.com/office/drawing/2010/main" val="0"/>
+              </a:ext>
+            </a:extLst>
+          </a:blip>
+          <a:stretch>
+            <a:fillRect/>
+          </a:stretch>
+        </p:blipFill>
+        <p:spPr>
+          <a:xfrm>
+            <a:off x="6858001" y="152400"/>
+            <a:ext cx="1943371" cy="952633"/>
+          </a:xfrm>
+          <a:prstGeom prst="rect">
+            <a:avLst/>
+          </a:prstGeom>
+        </p:spPr>
+      </p:pic>
+      <p:pic>
+        <p:nvPicPr>
+          <p:cNvPr id="1045" name="Picture 21" descr="http://blogs.msdn.com/cfs-filesystemfile.ashx/__key/communityserver-blogs-components-weblogfiles/00-00-01-71-81-adaptive_2D00_tile_2D00_templates/0753.image_2D00_removemargin_2D00_false.png"/>
+          <p:cNvPicPr>
+            <a:picLocks noChangeAspect="1" noChangeArrowheads="1"/>
+          </p:cNvPicPr>
+          <p:nvPr/>
+        </p:nvPicPr>
+        <p:blipFill>
+          <a:blip r:embed="rId21">
+            <a:extLst>
+              <a:ext uri="{28A0092B-C50C-407E-A947-70E740481C1C}">
+                <a14:useLocalDpi xmlns:a14="http://schemas.microsoft.com/office/drawing/2010/main" val="0"/>
+              </a:ext>
+            </a:extLst>
+          </a:blip>
+          <a:srcRect/>
+          <a:stretch>
+            <a:fillRect/>
+          </a:stretch>
+        </p:blipFill>
+        <p:spPr bwMode="auto">
+          <a:xfrm>
+            <a:off x="9153393" y="152400"/>
+            <a:ext cx="952500" cy="952500"/>
+          </a:xfrm>
+          <a:prstGeom prst="rect">
+            <a:avLst/>
+          </a:prstGeom>
+          <a:noFill/>
+          <a:extLst>
+            <a:ext uri="{909E8E84-426E-40DD-AFC4-6F175D3DCCD1}">
+              <a14:hiddenFill xmlns:a14="http://schemas.microsoft.com/office/drawing/2010/main">
+                <a:solidFill>
+                  <a:srgbClr val="FFFFFF"/>
+                </a:solidFill>
+              </a14:hiddenFill>
+            </a:ext>
+          </a:extLst>
+        </p:spPr>
+      </p:pic>
+      <p:pic>
+        <p:nvPicPr>
+          <p:cNvPr id="1046" name="Picture 22" descr="http://blogs.msdn.com/cfs-filesystemfile.ashx/__key/communityserver-blogs-components-weblogfiles/00-00-01-71-81-adaptive_2D00_tile_2D00_templates/1134.image_2D00_removemargin_2D00_true.png"/>
+          <p:cNvPicPr>
+            <a:picLocks noChangeAspect="1" noChangeArrowheads="1"/>
+          </p:cNvPicPr>
+          <p:nvPr/>
+        </p:nvPicPr>
+        <p:blipFill>
+          <a:blip r:embed="rId22">
+            <a:extLst>
+              <a:ext uri="{28A0092B-C50C-407E-A947-70E740481C1C}">
+                <a14:useLocalDpi xmlns:a14="http://schemas.microsoft.com/office/drawing/2010/main" val="0"/>
+              </a:ext>
+            </a:extLst>
+          </a:blip>
+          <a:srcRect/>
+          <a:stretch>
+            <a:fillRect/>
+          </a:stretch>
+        </p:blipFill>
+        <p:spPr bwMode="auto">
+          <a:xfrm>
+            <a:off x="10163315" y="152400"/>
+            <a:ext cx="952500" cy="952500"/>
+          </a:xfrm>
+          <a:prstGeom prst="rect">
+            <a:avLst/>
+          </a:prstGeom>
+          <a:noFill/>
+          <a:extLst>
+            <a:ext uri="{909E8E84-426E-40DD-AFC4-6F175D3DCCD1}">
+              <a14:hiddenFill xmlns:a14="http://schemas.microsoft.com/office/drawing/2010/main">
+                <a:solidFill>
+                  <a:srgbClr val="FFFFFF"/>
+                </a:solidFill>
+              </a14:hiddenFill>
+            </a:ext>
+          </a:extLst>
+        </p:spPr>
+      </p:pic>
+      <p:pic>
+        <p:nvPicPr>
+          <p:cNvPr id="1047" name="Picture 23" descr="http://blogs.msdn.com/cfs-filesystemfile.ashx/__key/communityserver-blogs-components-weblogfiles/00-00-01-71-81-adaptive_2D00_tile_2D00_templates/6661.image_2D00_background_2D00_overlay_2D00_0.png"/>
+          <p:cNvPicPr>
+            <a:picLocks noChangeAspect="1" noChangeArrowheads="1"/>
+          </p:cNvPicPr>
+          <p:nvPr/>
+        </p:nvPicPr>
+        <p:blipFill>
+          <a:blip r:embed="rId23">
+            <a:extLst>
+              <a:ext uri="{28A0092B-C50C-407E-A947-70E740481C1C}">
+                <a14:useLocalDpi xmlns:a14="http://schemas.microsoft.com/office/drawing/2010/main" val="0"/>
+              </a:ext>
+            </a:extLst>
+          </a:blip>
+          <a:srcRect/>
+          <a:stretch>
+            <a:fillRect/>
+          </a:stretch>
+        </p:blipFill>
+        <p:spPr bwMode="auto">
+          <a:xfrm>
+            <a:off x="6857880" y="1257367"/>
+            <a:ext cx="1943100" cy="952500"/>
+          </a:xfrm>
+          <a:prstGeom prst="rect">
+            <a:avLst/>
+          </a:prstGeom>
+          <a:noFill/>
+          <a:extLst>
+            <a:ext uri="{909E8E84-426E-40DD-AFC4-6F175D3DCCD1}">
+              <a14:hiddenFill xmlns:a14="http://schemas.microsoft.com/office/drawing/2010/main">
+                <a:solidFill>
+                  <a:srgbClr val="FFFFFF"/>
+                </a:solidFill>
+              </a14:hiddenFill>
+            </a:ext>
+          </a:extLst>
+        </p:spPr>
+      </p:pic>
+      <p:pic>
+        <p:nvPicPr>
+          <p:cNvPr id="1048" name="Picture 24" descr="http://blogs.msdn.com/cfs-filesystemfile.ashx/__key/communityserver-blogs-components-weblogfiles/00-00-01-71-81-adaptive_2D00_tile_2D00_templates/6813.image_2D00_background_2D00_overlay_2D00_20.png"/>
+          <p:cNvPicPr>
+            <a:picLocks noChangeAspect="1" noChangeArrowheads="1"/>
+          </p:cNvPicPr>
+          <p:nvPr/>
+        </p:nvPicPr>
+        <p:blipFill>
+          <a:blip r:embed="rId24">
+            <a:extLst>
+              <a:ext uri="{28A0092B-C50C-407E-A947-70E740481C1C}">
+                <a14:useLocalDpi xmlns:a14="http://schemas.microsoft.com/office/drawing/2010/main" val="0"/>
+              </a:ext>
+            </a:extLst>
+          </a:blip>
+          <a:srcRect/>
+          <a:stretch>
+            <a:fillRect/>
+          </a:stretch>
+        </p:blipFill>
+        <p:spPr bwMode="auto">
+          <a:xfrm>
+            <a:off x="6857880" y="2362334"/>
+            <a:ext cx="1943100" cy="952500"/>
+          </a:xfrm>
+          <a:prstGeom prst="rect">
+            <a:avLst/>
+          </a:prstGeom>
+          <a:noFill/>
+          <a:extLst>
+            <a:ext uri="{909E8E84-426E-40DD-AFC4-6F175D3DCCD1}">
+              <a14:hiddenFill xmlns:a14="http://schemas.microsoft.com/office/drawing/2010/main">
+                <a:solidFill>
+                  <a:srgbClr val="FFFFFF"/>
+                </a:solidFill>
+              </a14:hiddenFill>
+            </a:ext>
+          </a:extLst>
+        </p:spPr>
+      </p:pic>
+      <p:pic>
+        <p:nvPicPr>
+          <p:cNvPr id="1049" name="Picture 25" descr="http://blogs.msdn.com/cfs-filesystemfile.ashx/__key/communityserver-blogs-components-weblogfiles/00-00-01-71-81-adaptive_2D00_tile_2D00_templates/4274.image_2D00_background_2D00_overlay_2D00_60.png"/>
+          <p:cNvPicPr>
+            <a:picLocks noChangeAspect="1" noChangeArrowheads="1"/>
+          </p:cNvPicPr>
+          <p:nvPr/>
+        </p:nvPicPr>
+        <p:blipFill>
+          <a:blip r:embed="rId25">
+            <a:extLst>
+              <a:ext uri="{28A0092B-C50C-407E-A947-70E740481C1C}">
+                <a14:useLocalDpi xmlns:a14="http://schemas.microsoft.com/office/drawing/2010/main" val="0"/>
+              </a:ext>
+            </a:extLst>
+          </a:blip>
+          <a:srcRect/>
+          <a:stretch>
+            <a:fillRect/>
+          </a:stretch>
+        </p:blipFill>
+        <p:spPr bwMode="auto">
+          <a:xfrm>
+            <a:off x="6857880" y="3467234"/>
+            <a:ext cx="1943100" cy="952500"/>
+          </a:xfrm>
+          <a:prstGeom prst="rect">
+            <a:avLst/>
+          </a:prstGeom>
+          <a:noFill/>
+          <a:extLst>
+            <a:ext uri="{909E8E84-426E-40DD-AFC4-6F175D3DCCD1}">
+              <a14:hiddenFill xmlns:a14="http://schemas.microsoft.com/office/drawing/2010/main">
+                <a:solidFill>
+                  <a:srgbClr val="FFFFFF"/>
+                </a:solidFill>
+              </a14:hiddenFill>
+            </a:ext>
+          </a:extLst>
+        </p:spPr>
+      </p:pic>
+      <p:pic>
+        <p:nvPicPr>
+          <p:cNvPr id="1050" name="Picture 26" descr="http://blogs.msdn.com/cfs-filesystemfile.ashx/__key/communityserver-blogs-components-weblogfiles/00-00-01-71-81-adaptive_2D00_tile_2D00_templates/1447.image_2D00_background_2D00_overlay_2D00_100.png"/>
+          <p:cNvPicPr>
+            <a:picLocks noChangeAspect="1" noChangeArrowheads="1"/>
+          </p:cNvPicPr>
+          <p:nvPr/>
+        </p:nvPicPr>
+        <p:blipFill>
+          <a:blip r:embed="rId26">
+            <a:extLst>
+              <a:ext uri="{28A0092B-C50C-407E-A947-70E740481C1C}">
+                <a14:useLocalDpi xmlns:a14="http://schemas.microsoft.com/office/drawing/2010/main" val="0"/>
+              </a:ext>
+            </a:extLst>
+          </a:blip>
+          <a:srcRect/>
+          <a:stretch>
+            <a:fillRect/>
+          </a:stretch>
+        </p:blipFill>
+        <p:spPr bwMode="auto">
+          <a:xfrm>
+            <a:off x="6857880" y="4553084"/>
+            <a:ext cx="1943100" cy="952500"/>
+          </a:xfrm>
+          <a:prstGeom prst="rect">
+            <a:avLst/>
+          </a:prstGeom>
+          <a:noFill/>
+          <a:extLst>
+            <a:ext uri="{909E8E84-426E-40DD-AFC4-6F175D3DCCD1}">
+              <a14:hiddenFill xmlns:a14="http://schemas.microsoft.com/office/drawing/2010/main">
+                <a:solidFill>
+                  <a:srgbClr val="FFFFFF"/>
+                </a:solidFill>
+              </a14:hiddenFill>
+            </a:ext>
+          </a:extLst>
+        </p:spPr>
+      </p:pic>
+      <p:graphicFrame>
+        <p:nvGraphicFramePr>
+          <p:cNvPr id="11" name="Object 10"/>
+          <p:cNvGraphicFramePr>
+            <a:graphicFrameLocks noChangeAspect="1"/>
+          </p:cNvGraphicFramePr>
+          <p:nvPr>
+            <p:extLst>
+              <p:ext uri="{D42A27DB-BD31-4B8C-83A1-F6EECF244321}">
+                <p14:modId xmlns:p14="http://schemas.microsoft.com/office/powerpoint/2010/main" val="3075193051"/>
+              </p:ext>
+            </p:extLst>
+          </p:nvPr>
+        </p:nvGraphicFramePr>
+        <p:xfrm>
+          <a:off x="11096493" y="5892867"/>
+          <a:ext cx="992188" cy="482600"/>
+        </p:xfrm>
+        <a:graphic>
+          <a:graphicData uri="http://schemas.openxmlformats.org/presentationml/2006/ole">
+            <mc:AlternateContent xmlns:mc="http://schemas.openxmlformats.org/markup-compatibility/2006">
+              <mc:Choice xmlns:v="urn:schemas-microsoft-com:vml" Requires="v">
+                <p:oleObj spid="_x0000_s1068" name="Packager Shell Object" showAsIcon="1" r:id="rId27" imgW="992880" imgH="482400" progId="Package">
+                  <p:embed/>
+                </p:oleObj>
+              </mc:Choice>
+              <mc:Fallback>
+                <p:oleObj name="Packager Shell Object" showAsIcon="1" r:id="rId27" imgW="992880" imgH="482400" progId="Package">
+                  <p:embed/>
+                  <p:pic>
+                    <p:nvPicPr>
+                      <p:cNvPr id="0" name=""/>
+                      <p:cNvPicPr/>
+                      <p:nvPr/>
+                    </p:nvPicPr>
+                    <p:blipFill>
+                      <a:blip r:embed="rId28"/>
+                      <a:stretch>
+                        <a:fillRect/>
+                      </a:stretch>
+                    </p:blipFill>
+                    <p:spPr>
+                      <a:xfrm>
+                        <a:off x="11096493" y="5892867"/>
+                        <a:ext cx="992188" cy="482600"/>
+                      </a:xfrm>
+                      <a:prstGeom prst="rect">
+                        <a:avLst/>
+                      </a:prstGeom>
+                    </p:spPr>
+                  </p:pic>
+                </p:oleObj>
+              </mc:Fallback>
+            </mc:AlternateContent>
+          </a:graphicData>
+        </a:graphic>
+      </p:graphicFrame>
+      <p:pic>
+        <p:nvPicPr>
+          <p:cNvPr id="1056" name="Picture 32" descr="http://blogs.msdn.com/cfs-filesystemfile.ashx/__key/communityserver-blogs-components-weblogfiles/00-00-01-71-81-adaptive_2D00_tile_2D00_templates/6712.textstacking_2D00_subgroup_2D00_top.png"/>
+          <p:cNvPicPr>
+            <a:picLocks noChangeAspect="1" noChangeArrowheads="1"/>
+          </p:cNvPicPr>
+          <p:nvPr/>
+        </p:nvPicPr>
+        <p:blipFill>
+          <a:blip r:embed="rId29">
+            <a:extLst>
+              <a:ext uri="{28A0092B-C50C-407E-A947-70E740481C1C}">
+                <a14:useLocalDpi xmlns:a14="http://schemas.microsoft.com/office/drawing/2010/main" val="0"/>
+              </a:ext>
+            </a:extLst>
+          </a:blip>
+          <a:srcRect/>
+          <a:stretch>
+            <a:fillRect/>
+          </a:stretch>
+        </p:blipFill>
+        <p:spPr bwMode="auto">
+          <a:xfrm>
+            <a:off x="9153665" y="1447867"/>
+            <a:ext cx="1943100" cy="952500"/>
+          </a:xfrm>
+          <a:prstGeom prst="rect">
+            <a:avLst/>
+          </a:prstGeom>
+          <a:noFill/>
+          <a:extLst>
+            <a:ext uri="{909E8E84-426E-40DD-AFC4-6F175D3DCCD1}">
+              <a14:hiddenFill xmlns:a14="http://schemas.microsoft.com/office/drawing/2010/main">
+                <a:solidFill>
+                  <a:srgbClr val="FFFFFF"/>
+                </a:solidFill>
+              </a14:hiddenFill>
+            </a:ext>
+          </a:extLst>
+        </p:spPr>
+      </p:pic>
+      <p:pic>
+        <p:nvPicPr>
+          <p:cNvPr id="1057" name="Picture 33" descr="http://blogs.msdn.com/cfs-filesystemfile.ashx/__key/communityserver-blogs-components-weblogfiles/00-00-01-71-81-adaptive_2D00_tile_2D00_templates/5050.textstacking_2D00_subgroup_2D00_center.png"/>
+          <p:cNvPicPr>
+            <a:picLocks noChangeAspect="1" noChangeArrowheads="1"/>
+          </p:cNvPicPr>
+          <p:nvPr/>
+        </p:nvPicPr>
+        <p:blipFill>
+          <a:blip r:embed="rId30">
+            <a:extLst>
+              <a:ext uri="{28A0092B-C50C-407E-A947-70E740481C1C}">
+                <a14:useLocalDpi xmlns:a14="http://schemas.microsoft.com/office/drawing/2010/main" val="0"/>
+              </a:ext>
+            </a:extLst>
+          </a:blip>
+          <a:srcRect/>
+          <a:stretch>
+            <a:fillRect/>
+          </a:stretch>
+        </p:blipFill>
+        <p:spPr bwMode="auto">
+          <a:xfrm>
+            <a:off x="9153665" y="2552767"/>
+            <a:ext cx="1943100" cy="952500"/>
+          </a:xfrm>
+          <a:prstGeom prst="rect">
+            <a:avLst/>
+          </a:prstGeom>
+          <a:noFill/>
+          <a:extLst>
+            <a:ext uri="{909E8E84-426E-40DD-AFC4-6F175D3DCCD1}">
+              <a14:hiddenFill xmlns:a14="http://schemas.microsoft.com/office/drawing/2010/main">
+                <a:solidFill>
+                  <a:srgbClr val="FFFFFF"/>
+                </a:solidFill>
+              </a14:hiddenFill>
+            </a:ext>
+          </a:extLst>
+        </p:spPr>
+      </p:pic>
+      <p:pic>
+        <p:nvPicPr>
+          <p:cNvPr id="1058" name="Picture 34" descr="http://blogs.msdn.com/cfs-filesystemfile.ashx/__key/communityserver-blogs-components-weblogfiles/00-00-01-71-81-adaptive_2D00_tile_2D00_templates/7823.textstacking_2D00_subgroup_2D00_bottom.png"/>
+          <p:cNvPicPr>
+            <a:picLocks noChangeAspect="1" noChangeArrowheads="1"/>
+          </p:cNvPicPr>
+          <p:nvPr/>
+        </p:nvPicPr>
+        <p:blipFill>
+          <a:blip r:embed="rId31">
+            <a:extLst>
+              <a:ext uri="{28A0092B-C50C-407E-A947-70E740481C1C}">
+                <a14:useLocalDpi xmlns:a14="http://schemas.microsoft.com/office/drawing/2010/main" val="0"/>
+              </a:ext>
+            </a:extLst>
+          </a:blip>
+          <a:srcRect/>
+          <a:stretch>
+            <a:fillRect/>
+          </a:stretch>
+        </p:blipFill>
+        <p:spPr bwMode="auto">
+          <a:xfrm>
+            <a:off x="9153393" y="3638617"/>
+            <a:ext cx="1943100" cy="952500"/>
+          </a:xfrm>
+          <a:prstGeom prst="rect">
+            <a:avLst/>
+          </a:prstGeom>
+          <a:noFill/>
+          <a:extLst>
+            <a:ext uri="{909E8E84-426E-40DD-AFC4-6F175D3DCCD1}">
+              <a14:hiddenFill xmlns:a14="http://schemas.microsoft.com/office/drawing/2010/main">
+                <a:solidFill>
+                  <a:srgbClr val="FFFFFF"/>
+                </a:solidFill>
+              </a14:hiddenFill>
+            </a:ext>
+          </a:extLst>
+        </p:spPr>
+      </p:pic>
+    </p:spTree>
+    <p:extLst>
+      <p:ext uri="{BB962C8B-B14F-4D97-AF65-F5344CB8AC3E}">
+        <p14:creationId xmlns:p14="http://schemas.microsoft.com/office/powerpoint/2010/main" val="3129354071"/>
+      </p:ext>
+    </p:extLst>
+  </p:cSld>
+  <p:clrMapOvr>
+    <a:masterClrMapping/>
+  </p:clrMapOvr>
+  <p:timing>
+    <p:tnLst>
+      <p:par>
+        <p:cTn id="1" dur="indefinite" restart="never" nodeType="tmRoot"/>
+      </p:par>
+    </p:tnLst>
+  </p:timing>
+</p:sld>
+</file>
+
+<file path=ppt/slides/slide13.xml><?xml version="1.0" encoding="utf-8"?>
 <p:sld xmlns:a="http://schemas.openxmlformats.org/drawingml/2006/main" xmlns:r="http://schemas.openxmlformats.org/officeDocument/2006/relationships" xmlns:p="http://schemas.openxmlformats.org/presentationml/2006/main">
   <p:cSld>
     <p:spTree>
@@ -13494,7 +14723,7 @@
 </p:sld>
 </file>
 
-<file path=ppt/slides/slide12.xml><?xml version="1.0" encoding="utf-8"?>
+<file path=ppt/slides/slide14.xml><?xml version="1.0" encoding="utf-8"?>
 <p:sld xmlns:a="http://schemas.openxmlformats.org/drawingml/2006/main" xmlns:r="http://schemas.openxmlformats.org/officeDocument/2006/relationships" xmlns:p="http://schemas.openxmlformats.org/presentationml/2006/main">
   <p:cSld>
     <p:spTree>
@@ -13521,8 +14750,8 @@
         </p:nvSpPr>
         <p:spPr>
           <a:xfrm>
-            <a:off x="573274" y="435448"/>
-            <a:ext cx="10170925" cy="643753"/>
+            <a:off x="573275" y="435448"/>
+            <a:ext cx="7160576" cy="643753"/>
           </a:xfrm>
           <a:prstGeom prst="rect">
             <a:avLst/>
@@ -13563,22 +14792,13 @@
           <a:p>
             <a:pPr algn="l"/>
             <a:r>
-              <a:rPr lang="en-US" sz="4400" dirty="0">
-                <a:solidFill>
-                  <a:srgbClr val="00B0F0"/>
-                </a:solidFill>
-                <a:latin typeface="Segoe UI Light" panose="020B0502040204020203" pitchFamily="34" charset="0"/>
-              </a:rPr>
-              <a:t>Using Application data and </a:t>
-            </a:r>
-            <a:r>
               <a:rPr lang="en-US" sz="4400" dirty="0" smtClean="0">
                 <a:solidFill>
                   <a:srgbClr val="00B0F0"/>
                 </a:solidFill>
                 <a:latin typeface="Segoe UI Light" panose="020B0502040204020203" pitchFamily="34" charset="0"/>
               </a:rPr>
-              <a:t>resources</a:t>
+              <a:t>Application Data &amp; Settings</a:t>
             </a:r>
             <a:endParaRPr lang="en-US" sz="4400" dirty="0">
               <a:solidFill>
@@ -13843,13 +15063,13 @@
               <a:defRPr/>
             </a:pPr>
             <a:r>
-              <a:rPr lang="en-US" sz="2400" b="1" dirty="0">
+              <a:rPr lang="en-US" sz="2400" b="1" dirty="0" smtClean="0">
                 <a:solidFill>
                   <a:schemeClr val="tx1"/>
                 </a:solidFill>
                 <a:latin typeface="Segoe UI Light" panose="020B0502040204020203" pitchFamily="34" charset="0"/>
               </a:rPr>
-              <a:t>Application Data &amp; Settings</a:t>
+              <a:t>Application data</a:t>
             </a:r>
           </a:p>
           <a:p>
@@ -13862,41 +15082,13 @@
               <a:defRPr/>
             </a:pPr>
             <a:r>
-              <a:rPr lang="en-US" sz="2400" b="1" dirty="0">
-                <a:solidFill>
-                  <a:schemeClr val="tx1"/>
-                </a:solidFill>
-                <a:latin typeface="Segoe UI Light" panose="020B0502040204020203" pitchFamily="34" charset="0"/>
-              </a:rPr>
-              <a:t>Roaming Data &amp; Settings</a:t>
-            </a:r>
-          </a:p>
-          <a:p>
-            <a:pPr marL="342900" indent="-342900">
-              <a:lnSpc>
-                <a:spcPct val="200000"/>
-              </a:lnSpc>
-              <a:buFont typeface="Arial" panose="020B0604020202020204" pitchFamily="34" charset="0"/>
-              <a:buChar char="•"/>
-              <a:defRPr/>
-            </a:pPr>
-            <a:r>
-              <a:rPr lang="en-US" sz="2400" b="1" dirty="0">
-                <a:solidFill>
-                  <a:schemeClr val="tx1"/>
-                </a:solidFill>
-                <a:latin typeface="Segoe UI Light" panose="020B0502040204020203" pitchFamily="34" charset="0"/>
-              </a:rPr>
-              <a:t>Credential </a:t>
-            </a:r>
-            <a:r>
               <a:rPr lang="en-US" sz="2400" b="1" dirty="0" smtClean="0">
                 <a:solidFill>
                   <a:schemeClr val="tx1"/>
                 </a:solidFill>
                 <a:latin typeface="Segoe UI Light" panose="020B0502040204020203" pitchFamily="34" charset="0"/>
               </a:rPr>
-              <a:t>Locker</a:t>
+              <a:t>Roaming data across devices</a:t>
             </a:r>
           </a:p>
           <a:p>
@@ -13917,13 +15109,19 @@
               </a:rPr>
               <a:t>Lab</a:t>
             </a:r>
+            <a:endParaRPr lang="en-US" sz="2400" b="1" dirty="0">
+              <a:solidFill>
+                <a:schemeClr val="tx1"/>
+              </a:solidFill>
+              <a:latin typeface="Segoe UI Light" panose="020B0502040204020203" pitchFamily="34" charset="0"/>
+            </a:endParaRPr>
           </a:p>
         </p:txBody>
       </p:sp>
     </p:spTree>
     <p:extLst>
       <p:ext uri="{BB962C8B-B14F-4D97-AF65-F5344CB8AC3E}">
-        <p14:creationId xmlns:p14="http://schemas.microsoft.com/office/powerpoint/2010/main" val="313464049"/>
+        <p14:creationId xmlns:p14="http://schemas.microsoft.com/office/powerpoint/2010/main" val="2617752299"/>
       </p:ext>
     </p:extLst>
   </p:cSld>
@@ -13940,7 +15138,7 @@
 </p:sld>
 </file>
 
-<file path=ppt/slides/slide13.xml><?xml version="1.0" encoding="utf-8"?>
+<file path=ppt/slides/slide15.xml><?xml version="1.0" encoding="utf-8"?>
 <p:sld xmlns:a="http://schemas.openxmlformats.org/drawingml/2006/main" xmlns:r="http://schemas.openxmlformats.org/officeDocument/2006/relationships" xmlns:p="http://schemas.openxmlformats.org/presentationml/2006/main">
   <p:cSld>
     <p:spTree>
@@ -14169,7 +15367,7 @@
         <p:spPr>
           <a:xfrm>
             <a:off x="615479" y="2164882"/>
-            <a:ext cx="5427662" cy="469900"/>
+            <a:ext cx="5427662" cy="3828422"/>
           </a:xfrm>
           <a:prstGeom prst="rect">
             <a:avLst/>
@@ -14275,7 +15473,10 @@
             </a:lvl9pPr>
           </a:lstStyle>
           <a:p>
-            <a:pPr algn="l"/>
+            <a:pPr marL="285750" indent="-285750" algn="l">
+              <a:buFont typeface="Arial" panose="020B0604020202020204" pitchFamily="34" charset="0"/>
+              <a:buChar char="•"/>
+            </a:pPr>
             <a:r>
               <a:rPr lang="en-US" dirty="0" smtClean="0">
                 <a:solidFill>
@@ -14284,9 +15485,61 @@
                 <a:latin typeface="Segoe UI Light" panose="020B0502040204020203" pitchFamily="34" charset="0"/>
                 <a:ea typeface="Segoe UI" panose="020B0502040204020203" pitchFamily="34" charset="0"/>
                 <a:cs typeface="Segoe UI" panose="020B0502040204020203" pitchFamily="34" charset="0"/>
+                <a:hlinkClick r:id="rId2"/>
               </a:rPr>
-              <a:t>&lt;Quote related references here&gt;</a:t>
+              <a:t>http://aka.ms/NotificationsVisualizer</a:t>
             </a:r>
+            <a:endParaRPr lang="en-US" dirty="0" smtClean="0">
+              <a:solidFill>
+                <a:schemeClr val="tx1"/>
+              </a:solidFill>
+              <a:latin typeface="Segoe UI Light" panose="020B0502040204020203" pitchFamily="34" charset="0"/>
+              <a:ea typeface="Segoe UI" panose="020B0502040204020203" pitchFamily="34" charset="0"/>
+              <a:cs typeface="Segoe UI" panose="020B0502040204020203" pitchFamily="34" charset="0"/>
+            </a:endParaRPr>
+          </a:p>
+          <a:p>
+            <a:pPr marL="285750" indent="-285750" algn="l">
+              <a:buFont typeface="Arial" panose="020B0604020202020204" pitchFamily="34" charset="0"/>
+              <a:buChar char="•"/>
+            </a:pPr>
+            <a:r>
+              <a:rPr lang="en-US" dirty="0" smtClean="0">
+                <a:solidFill>
+                  <a:schemeClr val="tx1"/>
+                </a:solidFill>
+                <a:latin typeface="Segoe UI Light" panose="020B0502040204020203" pitchFamily="34" charset="0"/>
+                <a:ea typeface="Segoe UI" panose="020B0502040204020203" pitchFamily="34" charset="0"/>
+                <a:cs typeface="Segoe UI" panose="020B0502040204020203" pitchFamily="34" charset="0"/>
+                <a:hlinkClick r:id="rId3"/>
+              </a:rPr>
+              <a:t>http://aka.ms/AdaptiveTiles</a:t>
+            </a:r>
+            <a:endParaRPr lang="en-US" dirty="0" smtClean="0">
+              <a:solidFill>
+                <a:schemeClr val="tx1"/>
+              </a:solidFill>
+              <a:latin typeface="Segoe UI Light" panose="020B0502040204020203" pitchFamily="34" charset="0"/>
+              <a:ea typeface="Segoe UI" panose="020B0502040204020203" pitchFamily="34" charset="0"/>
+              <a:cs typeface="Segoe UI" panose="020B0502040204020203" pitchFamily="34" charset="0"/>
+            </a:endParaRPr>
+          </a:p>
+          <a:p>
+            <a:pPr marL="285750" indent="-285750" algn="l">
+              <a:buFont typeface="Arial" panose="020B0604020202020204" pitchFamily="34" charset="0"/>
+              <a:buChar char="•"/>
+            </a:pPr>
+            <a:endParaRPr lang="en-US" dirty="0" smtClean="0">
+              <a:solidFill>
+                <a:schemeClr val="tx1"/>
+              </a:solidFill>
+              <a:latin typeface="Segoe UI Light" panose="020B0502040204020203" pitchFamily="34" charset="0"/>
+              <a:ea typeface="Segoe UI" panose="020B0502040204020203" pitchFamily="34" charset="0"/>
+              <a:cs typeface="Segoe UI" panose="020B0502040204020203" pitchFamily="34" charset="0"/>
+            </a:endParaRPr>
+          </a:p>
+          <a:p>
+            <a:pPr algn="l"/>
             <a:endParaRPr lang="en-US" dirty="0">
               <a:solidFill>
                 <a:schemeClr val="tx1"/>
@@ -14492,7 +15745,7 @@
             <p:nvPr/>
           </p:nvPicPr>
           <p:blipFill rotWithShape="1">
-            <a:blip r:embed="rId2">
+            <a:blip r:embed="rId4">
               <a:extLst>
                 <a:ext uri="{28A0092B-C50C-407E-A947-70E740481C1C}">
                   <a14:useLocalDpi xmlns:a14="http://schemas.microsoft.com/office/drawing/2010/main" val="0"/>
@@ -14531,7 +15784,7 @@
             <p:nvPr/>
           </p:nvPicPr>
           <p:blipFill>
-            <a:blip r:embed="rId3" cstate="print">
+            <a:blip r:embed="rId5" cstate="print">
               <a:extLst>
                 <a:ext uri="{28A0092B-C50C-407E-A947-70E740481C1C}">
                   <a14:useLocalDpi xmlns:a14="http://schemas.microsoft.com/office/drawing/2010/main" val="0"/>
@@ -14690,7 +15943,7 @@
 </p:sld>
 </file>
 
-<file path=ppt/slides/slide14.xml><?xml version="1.0" encoding="utf-8"?>
+<file path=ppt/slides/slide16.xml><?xml version="1.0" encoding="utf-8"?>
 <p:sld xmlns:a="http://schemas.openxmlformats.org/drawingml/2006/main" xmlns:r="http://schemas.openxmlformats.org/officeDocument/2006/relationships" xmlns:p="http://schemas.openxmlformats.org/presentationml/2006/main">
   <p:cSld>
     <p:spTree>
@@ -15207,7 +16460,7 @@
 </p:sld>
 </file>
 
-<file path=ppt/slides/slide15.xml><?xml version="1.0" encoding="utf-8"?>
+<file path=ppt/slides/slide17.xml><?xml version="1.0" encoding="utf-8"?>
 <p:sld xmlns:a="http://schemas.openxmlformats.org/drawingml/2006/main" xmlns:r="http://schemas.openxmlformats.org/officeDocument/2006/relationships" xmlns:p="http://schemas.openxmlformats.org/presentationml/2006/main">
   <p:cSld>
     <p:spTree>
@@ -16015,12 +17268,6 @@
               </a:rPr>
               <a:t>Build connected apps with roaming application data</a:t>
             </a:r>
-            <a:endParaRPr lang="en-US" sz="2400" b="1" dirty="0">
-              <a:solidFill>
-                <a:schemeClr val="tx1"/>
-              </a:solidFill>
-              <a:latin typeface="Segoe UI Light" panose="020B0502040204020203" pitchFamily="34" charset="0"/>
-            </a:endParaRPr>
           </a:p>
         </p:txBody>
       </p:sp>
@@ -16174,10 +17421,10 @@
           </a:lstStyle>
           <a:p>
             <a:r>
-              <a:rPr sz="3200" dirty="0" smtClean="0">
+              <a:rPr lang="en-US" sz="3200" dirty="0">
                 <a:latin typeface="Segoe UI Light"/>
               </a:rPr>
-              <a:t>http://aka.ms/labsample</a:t>
+              <a:t>https://github.com/FutureUnleashed/HOL</a:t>
             </a:r>
             <a:endParaRPr sz="3200" dirty="0">
               <a:latin typeface="Segoe UI Light"/>
@@ -16545,13 +17792,22 @@
               <a:defRPr/>
             </a:pPr>
             <a:r>
+              <a:rPr lang="en-US" sz="2400" b="1" dirty="0" smtClean="0">
+                <a:solidFill>
+                  <a:schemeClr val="tx1"/>
+                </a:solidFill>
+                <a:latin typeface="Segoe UI Light" panose="020B0502040204020203" pitchFamily="34" charset="0"/>
+              </a:rPr>
+              <a:t>Writing Adaptive </a:t>
+            </a:r>
+            <a:r>
               <a:rPr lang="en-US" sz="2400" b="1" dirty="0">
                 <a:solidFill>
                   <a:schemeClr val="tx1"/>
                 </a:solidFill>
                 <a:latin typeface="Segoe UI Light" panose="020B0502040204020203" pitchFamily="34" charset="0"/>
               </a:rPr>
-              <a:t>Developing Adaptive Code for UWP Apps</a:t>
+              <a:t>Code for UWP Apps</a:t>
             </a:r>
           </a:p>
           <a:p>
@@ -16629,12 +17885,6 @@
               </a:rPr>
               <a:t>Build connected apps with roaming application data</a:t>
             </a:r>
-            <a:endParaRPr lang="en-US" sz="2400" b="1" dirty="0">
-              <a:solidFill>
-                <a:schemeClr val="tx1"/>
-              </a:solidFill>
-              <a:latin typeface="Segoe UI Light" panose="020B0502040204020203" pitchFamily="34" charset="0"/>
-            </a:endParaRPr>
           </a:p>
         </p:txBody>
       </p:sp>
